--- a/courses/apcsp/lect20.pptx
+++ b/courses/apcsp/lect20.pptx
@@ -146,7 +146,7 @@
 <file path=ppt/revisionInfo.xml><?xml version="1.0" encoding="utf-8"?>
 <p1510:revInfo xmlns:a="http://schemas.openxmlformats.org/drawingml/2006/main" xmlns:r="http://schemas.openxmlformats.org/officeDocument/2006/relationships" xmlns:p1510="http://schemas.microsoft.com/office/powerpoint/2015/10/main">
   <p1510:revLst>
-    <p1510:client id="{E3DA9E26-CE90-3A40-9745-4D67E6DCA3BF}" v="515" dt="2020-03-30T02:59:41.902"/>
+    <p1510:client id="{E3DA9E26-CE90-3A40-9745-4D67E6DCA3BF}" v="517" dt="2020-03-31T22:15:23.810"/>
   </p1510:revLst>
 </p1510:revInfo>
 </file>
@@ -2975,7 +2975,7 @@
   <pc:docChgLst>
     <pc:chgData name="Long B Nguyen" userId="f59fb8f3-a021-417a-8bc1-65c8d471c621" providerId="ADAL" clId="{E3DA9E26-CE90-3A40-9745-4D67E6DCA3BF}"/>
     <pc:docChg chg="custSel addSld delSld modSld">
-      <pc:chgData name="Long B Nguyen" userId="f59fb8f3-a021-417a-8bc1-65c8d471c621" providerId="ADAL" clId="{E3DA9E26-CE90-3A40-9745-4D67E6DCA3BF}" dt="2020-03-30T02:59:41.902" v="678" actId="20577"/>
+      <pc:chgData name="Long B Nguyen" userId="f59fb8f3-a021-417a-8bc1-65c8d471c621" providerId="ADAL" clId="{E3DA9E26-CE90-3A40-9745-4D67E6DCA3BF}" dt="2020-03-31T22:15:23.810" v="680" actId="20577"/>
       <pc:docMkLst>
         <pc:docMk/>
       </pc:docMkLst>
@@ -3424,13 +3424,13 @@
         </pc:spChg>
       </pc:sldChg>
       <pc:sldChg chg="modSp add modAnim">
-        <pc:chgData name="Long B Nguyen" userId="f59fb8f3-a021-417a-8bc1-65c8d471c621" providerId="ADAL" clId="{E3DA9E26-CE90-3A40-9745-4D67E6DCA3BF}" dt="2020-03-30T02:43:47.965" v="442" actId="207"/>
+        <pc:chgData name="Long B Nguyen" userId="f59fb8f3-a021-417a-8bc1-65c8d471c621" providerId="ADAL" clId="{E3DA9E26-CE90-3A40-9745-4D67E6DCA3BF}" dt="2020-03-31T22:15:23.810" v="680" actId="20577"/>
         <pc:sldMkLst>
           <pc:docMk/>
           <pc:sldMk cId="270817839" sldId="572"/>
         </pc:sldMkLst>
         <pc:spChg chg="mod">
-          <ac:chgData name="Long B Nguyen" userId="f59fb8f3-a021-417a-8bc1-65c8d471c621" providerId="ADAL" clId="{E3DA9E26-CE90-3A40-9745-4D67E6DCA3BF}" dt="2020-03-30T02:43:47.965" v="442" actId="207"/>
+          <ac:chgData name="Long B Nguyen" userId="f59fb8f3-a021-417a-8bc1-65c8d471c621" providerId="ADAL" clId="{E3DA9E26-CE90-3A40-9745-4D67E6DCA3BF}" dt="2020-03-31T22:15:23.810" v="680" actId="20577"/>
           <ac:spMkLst>
             <pc:docMk/>
             <pc:sldMk cId="270817839" sldId="572"/>
@@ -4400,7 +4400,7 @@
           <a:p>
             <a:fld id="{6EDD99D2-A624-5E4F-A4E3-584054837B5A}" type="datetimeFigureOut">
               <a:rPr lang="en-US" smtClean="0"/>
-              <a:t>3/29/20</a:t>
+              <a:t>3/31/20</a:t>
             </a:fld>
             <a:endParaRPr lang="en-US"/>
           </a:p>
@@ -12286,7 +12286,7 @@
           <a:p>
             <a:fld id="{4AAD347D-5ACD-4C99-B74B-A9C85AD731AF}" type="datetimeFigureOut">
               <a:rPr lang="en-US" smtClean="0"/>
-              <a:t>3/29/20</a:t>
+              <a:t>3/31/20</a:t>
             </a:fld>
             <a:endParaRPr lang="en-US" dirty="0"/>
           </a:p>
@@ -12456,7 +12456,7 @@
           <a:p>
             <a:fld id="{4509A250-FF31-4206-8172-F9D3106AACB1}" type="datetimeFigureOut">
               <a:rPr lang="en-US" smtClean="0"/>
-              <a:t>3/29/20</a:t>
+              <a:t>3/31/20</a:t>
             </a:fld>
             <a:endParaRPr lang="en-US" dirty="0"/>
           </a:p>
@@ -12636,7 +12636,7 @@
           <a:p>
             <a:fld id="{4509A250-FF31-4206-8172-F9D3106AACB1}" type="datetimeFigureOut">
               <a:rPr lang="en-US" smtClean="0"/>
-              <a:t>3/29/20</a:t>
+              <a:t>3/31/20</a:t>
             </a:fld>
             <a:endParaRPr lang="en-US" dirty="0"/>
           </a:p>
@@ -12806,7 +12806,7 @@
           <a:p>
             <a:fld id="{4509A250-FF31-4206-8172-F9D3106AACB1}" type="datetimeFigureOut">
               <a:rPr lang="en-US" smtClean="0"/>
-              <a:t>3/29/20</a:t>
+              <a:t>3/31/20</a:t>
             </a:fld>
             <a:endParaRPr lang="en-US" dirty="0"/>
           </a:p>
@@ -13052,7 +13052,7 @@
           <a:p>
             <a:fld id="{9796027F-7875-4030-9381-8BD8C4F21935}" type="datetimeFigureOut">
               <a:rPr lang="en-US" smtClean="0"/>
-              <a:t>3/29/20</a:t>
+              <a:t>3/31/20</a:t>
             </a:fld>
             <a:endParaRPr lang="en-US" dirty="0"/>
           </a:p>
@@ -13284,7 +13284,7 @@
           <a:p>
             <a:fld id="{9796027F-7875-4030-9381-8BD8C4F21935}" type="datetimeFigureOut">
               <a:rPr lang="en-US" smtClean="0"/>
-              <a:t>3/29/20</a:t>
+              <a:t>3/31/20</a:t>
             </a:fld>
             <a:endParaRPr lang="en-US" dirty="0"/>
           </a:p>
@@ -13651,7 +13651,7 @@
           <a:p>
             <a:fld id="{9796027F-7875-4030-9381-8BD8C4F21935}" type="datetimeFigureOut">
               <a:rPr lang="en-US" smtClean="0"/>
-              <a:t>3/29/20</a:t>
+              <a:t>3/31/20</a:t>
             </a:fld>
             <a:endParaRPr lang="en-US" dirty="0"/>
           </a:p>
@@ -13769,7 +13769,7 @@
           <a:p>
             <a:fld id="{4509A250-FF31-4206-8172-F9D3106AACB1}" type="datetimeFigureOut">
               <a:rPr lang="en-US" smtClean="0"/>
-              <a:t>3/29/20</a:t>
+              <a:t>3/31/20</a:t>
             </a:fld>
             <a:endParaRPr lang="en-US" dirty="0"/>
           </a:p>
@@ -13864,7 +13864,7 @@
           <a:p>
             <a:fld id="{4509A250-FF31-4206-8172-F9D3106AACB1}" type="datetimeFigureOut">
               <a:rPr lang="en-US" smtClean="0"/>
-              <a:t>3/29/20</a:t>
+              <a:t>3/31/20</a:t>
             </a:fld>
             <a:endParaRPr lang="en-US" dirty="0"/>
           </a:p>
@@ -14141,7 +14141,7 @@
           <a:p>
             <a:fld id="{4509A250-FF31-4206-8172-F9D3106AACB1}" type="datetimeFigureOut">
               <a:rPr lang="en-US" smtClean="0"/>
-              <a:t>3/29/20</a:t>
+              <a:t>3/31/20</a:t>
             </a:fld>
             <a:endParaRPr lang="en-US" dirty="0"/>
           </a:p>
@@ -14398,7 +14398,7 @@
           <a:p>
             <a:fld id="{4509A250-FF31-4206-8172-F9D3106AACB1}" type="datetimeFigureOut">
               <a:rPr lang="en-US" smtClean="0"/>
-              <a:t>3/29/20</a:t>
+              <a:t>3/31/20</a:t>
             </a:fld>
             <a:endParaRPr lang="en-US" dirty="0"/>
           </a:p>
@@ -14611,7 +14611,7 @@
           <a:p>
             <a:fld id="{4AAD347D-5ACD-4C99-B74B-A9C85AD731AF}" type="datetimeFigureOut">
               <a:rPr lang="en-US" smtClean="0"/>
-              <a:t>3/29/20</a:t>
+              <a:t>3/31/20</a:t>
             </a:fld>
             <a:endParaRPr lang="en-US" dirty="0"/>
           </a:p>
@@ -30476,17 +30476,17 @@
                 <a:latin typeface="Tahoma"/>
                 <a:cs typeface="Tahoma"/>
               </a:rPr>
-              <a:t>Thus the </a:t>
-            </a:r>
-            <a:r>
-              <a:rPr lang="en-US" sz="1833" dirty="0" err="1">
+              <a:t>Thus </a:t>
+            </a:r>
+            <a:r>
+              <a:rPr lang="en-US" sz="1833">
                 <a:solidFill>
                   <a:srgbClr val="FF0000"/>
                 </a:solidFill>
                 <a:latin typeface="Tahoma"/>
                 <a:cs typeface="Tahoma"/>
               </a:rPr>
-              <a:t>secred</a:t>
+              <a:t>the secret </a:t>
             </a:r>
             <a:r>
               <a:rPr lang="en-US" sz="1833" dirty="0">
@@ -30496,7 +30496,7 @@
                 <a:latin typeface="Tahoma"/>
                 <a:cs typeface="Tahoma"/>
               </a:rPr>
-              <a:t> shared key is 10. </a:t>
+              <a:t>shared key is 10. </a:t>
             </a:r>
           </a:p>
           <a:p>
